--- a/Class Slides 2024/Class 2.pptx
+++ b/Class Slides 2024/Class 2.pptx
@@ -5,19 +5,22 @@
     <p:sldMasterId id="2147483648" r:id="rId1"/>
   </p:sldMasterIdLst>
   <p:notesMasterIdLst>
-    <p:notesMasterId r:id="rId12"/>
+    <p:notesMasterId r:id="rId15"/>
   </p:notesMasterIdLst>
   <p:sldIdLst>
-    <p:sldId id="256" r:id="rId2"/>
-    <p:sldId id="273" r:id="rId3"/>
-    <p:sldId id="274" r:id="rId4"/>
-    <p:sldId id="276" r:id="rId5"/>
-    <p:sldId id="275" r:id="rId6"/>
-    <p:sldId id="265" r:id="rId7"/>
-    <p:sldId id="277" r:id="rId8"/>
-    <p:sldId id="278" r:id="rId9"/>
-    <p:sldId id="279" r:id="rId10"/>
-    <p:sldId id="257" r:id="rId11"/>
+    <p:sldId id="258" r:id="rId2"/>
+    <p:sldId id="259" r:id="rId3"/>
+    <p:sldId id="280" r:id="rId4"/>
+    <p:sldId id="256" r:id="rId5"/>
+    <p:sldId id="273" r:id="rId6"/>
+    <p:sldId id="274" r:id="rId7"/>
+    <p:sldId id="276" r:id="rId8"/>
+    <p:sldId id="275" r:id="rId9"/>
+    <p:sldId id="265" r:id="rId10"/>
+    <p:sldId id="277" r:id="rId11"/>
+    <p:sldId id="278" r:id="rId12"/>
+    <p:sldId id="279" r:id="rId13"/>
+    <p:sldId id="257" r:id="rId14"/>
   </p:sldIdLst>
   <p:sldSz cx="12192000" cy="6858000"/>
   <p:notesSz cx="7102475" cy="9388475"/>
@@ -206,7 +209,7 @@
           <a:p>
             <a:fld id="{26012E65-6D00-4874-A141-BBD0C6DF8AA4}" type="datetimeFigureOut">
               <a:rPr lang="en-US" smtClean="0"/>
-              <a:t>1/3/2024</a:t>
+              <a:t>9/19/2024</a:t>
             </a:fld>
             <a:endParaRPr lang="en-US"/>
           </a:p>
@@ -492,7 +495,7 @@
       </p:grpSpPr>
       <p:sp>
         <p:nvSpPr>
-          <p:cNvPr id="18434" name="Rectangle 7"/>
+          <p:cNvPr id="10242" name="Rectangle 7"/>
           <p:cNvSpPr>
             <a:spLocks noGrp="1" noChangeArrowheads="1"/>
           </p:cNvSpPr>
@@ -507,10 +510,196 @@
           <a:bodyPr/>
           <a:lstStyle/>
           <a:p>
+            <a:fld id="{5D5A137B-4407-4FD0-B3D1-1C7C10183054}" type="slidenum">
+              <a:rPr lang="en-US"/>
+              <a:pPr/>
+              <a:t>1</a:t>
+            </a:fld>
+            <a:endParaRPr lang="en-US"/>
+          </a:p>
+        </p:txBody>
+      </p:sp>
+      <p:sp>
+        <p:nvSpPr>
+          <p:cNvPr id="10243" name="Rectangle 2"/>
+          <p:cNvSpPr>
+            <a:spLocks noGrp="1" noRot="1" noChangeAspect="1" noChangeArrowheads="1" noTextEdit="1"/>
+          </p:cNvSpPr>
+          <p:nvPr>
+            <p:ph type="sldImg"/>
+          </p:nvPr>
+        </p:nvSpPr>
+        <p:spPr>
+          <a:ln/>
+        </p:spPr>
+      </p:sp>
+      <p:sp>
+        <p:nvSpPr>
+          <p:cNvPr id="10244" name="Rectangle 3"/>
+          <p:cNvSpPr>
+            <a:spLocks noGrp="1" noChangeArrowheads="1"/>
+          </p:cNvSpPr>
+          <p:nvPr>
+            <p:ph type="body" idx="1"/>
+          </p:nvPr>
+        </p:nvSpPr>
+        <p:spPr>
+          <a:noFill/>
+          <a:ln/>
+        </p:spPr>
+        <p:txBody>
+          <a:bodyPr/>
+          <a:lstStyle/>
+          <a:p>
+            <a:pPr eaLnBrk="1" hangingPunct="1"/>
+            <a:endParaRPr lang="en-US"/>
+          </a:p>
+        </p:txBody>
+      </p:sp>
+    </p:spTree>
+    <p:extLst>
+      <p:ext uri="{BB962C8B-B14F-4D97-AF65-F5344CB8AC3E}">
+        <p14:creationId xmlns:p14="http://schemas.microsoft.com/office/powerpoint/2010/main" val="3753464146"/>
+      </p:ext>
+    </p:extLst>
+  </p:cSld>
+  <p:clrMapOvr>
+    <a:masterClrMapping/>
+  </p:clrMapOvr>
+</p:notes>
+</file>
+
+<file path=ppt/notesSlides/notesSlide2.xml><?xml version="1.0" encoding="utf-8"?>
+<p:notes xmlns:a="http://schemas.openxmlformats.org/drawingml/2006/main" xmlns:r="http://schemas.openxmlformats.org/officeDocument/2006/relationships" xmlns:p="http://schemas.openxmlformats.org/presentationml/2006/main">
+  <p:cSld>
+    <p:spTree>
+      <p:nvGrpSpPr>
+        <p:cNvPr id="1" name=""/>
+        <p:cNvGrpSpPr/>
+        <p:nvPr/>
+      </p:nvGrpSpPr>
+      <p:grpSpPr>
+        <a:xfrm>
+          <a:off x="0" y="0"/>
+          <a:ext cx="0" cy="0"/>
+          <a:chOff x="0" y="0"/>
+          <a:chExt cx="0" cy="0"/>
+        </a:xfrm>
+      </p:grpSpPr>
+      <p:sp>
+        <p:nvSpPr>
+          <p:cNvPr id="11266" name="Rectangle 7"/>
+          <p:cNvSpPr>
+            <a:spLocks noGrp="1" noChangeArrowheads="1"/>
+          </p:cNvSpPr>
+          <p:nvPr>
+            <p:ph type="sldNum" sz="quarter" idx="5"/>
+          </p:nvPr>
+        </p:nvSpPr>
+        <p:spPr>
+          <a:noFill/>
+        </p:spPr>
+        <p:txBody>
+          <a:bodyPr/>
+          <a:lstStyle/>
+          <a:p>
+            <a:fld id="{AA8EB516-4CF1-4418-ACA6-4CBB00073677}" type="slidenum">
+              <a:rPr lang="en-US"/>
+              <a:pPr/>
+              <a:t>2</a:t>
+            </a:fld>
+            <a:endParaRPr lang="en-US"/>
+          </a:p>
+        </p:txBody>
+      </p:sp>
+      <p:sp>
+        <p:nvSpPr>
+          <p:cNvPr id="11267" name="Rectangle 2"/>
+          <p:cNvSpPr>
+            <a:spLocks noGrp="1" noRot="1" noChangeAspect="1" noChangeArrowheads="1" noTextEdit="1"/>
+          </p:cNvSpPr>
+          <p:nvPr>
+            <p:ph type="sldImg"/>
+          </p:nvPr>
+        </p:nvSpPr>
+        <p:spPr>
+          <a:ln/>
+        </p:spPr>
+      </p:sp>
+      <p:sp>
+        <p:nvSpPr>
+          <p:cNvPr id="11268" name="Rectangle 3"/>
+          <p:cNvSpPr>
+            <a:spLocks noGrp="1" noChangeArrowheads="1"/>
+          </p:cNvSpPr>
+          <p:nvPr>
+            <p:ph type="body" idx="1"/>
+          </p:nvPr>
+        </p:nvSpPr>
+        <p:spPr>
+          <a:noFill/>
+          <a:ln/>
+        </p:spPr>
+        <p:txBody>
+          <a:bodyPr/>
+          <a:lstStyle/>
+          <a:p>
+            <a:pPr eaLnBrk="1" hangingPunct="1"/>
+            <a:endParaRPr lang="en-US"/>
+          </a:p>
+        </p:txBody>
+      </p:sp>
+    </p:spTree>
+    <p:extLst>
+      <p:ext uri="{BB962C8B-B14F-4D97-AF65-F5344CB8AC3E}">
+        <p14:creationId xmlns:p14="http://schemas.microsoft.com/office/powerpoint/2010/main" val="577042653"/>
+      </p:ext>
+    </p:extLst>
+  </p:cSld>
+  <p:clrMapOvr>
+    <a:masterClrMapping/>
+  </p:clrMapOvr>
+</p:notes>
+</file>
+
+<file path=ppt/notesSlides/notesSlide3.xml><?xml version="1.0" encoding="utf-8"?>
+<p:notes xmlns:a="http://schemas.openxmlformats.org/drawingml/2006/main" xmlns:r="http://schemas.openxmlformats.org/officeDocument/2006/relationships" xmlns:p="http://schemas.openxmlformats.org/presentationml/2006/main">
+  <p:cSld>
+    <p:spTree>
+      <p:nvGrpSpPr>
+        <p:cNvPr id="1" name=""/>
+        <p:cNvGrpSpPr/>
+        <p:nvPr/>
+      </p:nvGrpSpPr>
+      <p:grpSpPr>
+        <a:xfrm>
+          <a:off x="0" y="0"/>
+          <a:ext cx="0" cy="0"/>
+          <a:chOff x="0" y="0"/>
+          <a:chExt cx="0" cy="0"/>
+        </a:xfrm>
+      </p:grpSpPr>
+      <p:sp>
+        <p:nvSpPr>
+          <p:cNvPr id="18434" name="Rectangle 7"/>
+          <p:cNvSpPr>
+            <a:spLocks noGrp="1" noChangeArrowheads="1"/>
+          </p:cNvSpPr>
+          <p:nvPr>
+            <p:ph type="sldNum" sz="quarter" idx="5"/>
+          </p:nvPr>
+        </p:nvSpPr>
+        <p:spPr>
+          <a:noFill/>
+        </p:spPr>
+        <p:txBody>
+          <a:bodyPr/>
+          <a:lstStyle/>
+          <a:p>
             <a:fld id="{1F7BEF2E-AD43-41B4-9A60-042ABDBFFEB4}" type="slidenum">
               <a:rPr lang="en-US" smtClean="0"/>
               <a:pPr/>
-              <a:t>2</a:t>
+              <a:t>5</a:t>
             </a:fld>
             <a:endParaRPr lang="en-US"/>
           </a:p>
@@ -708,7 +897,7 @@
           <a:p>
             <a:fld id="{8BE514D3-B357-4D03-A6FB-3E0AE5AFB55B}" type="datetimeFigureOut">
               <a:rPr lang="en-US" smtClean="0"/>
-              <a:t>1/3/2024</a:t>
+              <a:t>9/19/2024</a:t>
             </a:fld>
             <a:endParaRPr lang="en-US"/>
           </a:p>
@@ -906,7 +1095,7 @@
           <a:p>
             <a:fld id="{8BE514D3-B357-4D03-A6FB-3E0AE5AFB55B}" type="datetimeFigureOut">
               <a:rPr lang="en-US" smtClean="0"/>
-              <a:t>1/3/2024</a:t>
+              <a:t>9/19/2024</a:t>
             </a:fld>
             <a:endParaRPr lang="en-US"/>
           </a:p>
@@ -1114,7 +1303,7 @@
           <a:p>
             <a:fld id="{8BE514D3-B357-4D03-A6FB-3E0AE5AFB55B}" type="datetimeFigureOut">
               <a:rPr lang="en-US" smtClean="0"/>
-              <a:t>1/3/2024</a:t>
+              <a:t>9/19/2024</a:t>
             </a:fld>
             <a:endParaRPr lang="en-US"/>
           </a:p>
@@ -1572,7 +1761,7 @@
           <a:p>
             <a:fld id="{8BE514D3-B357-4D03-A6FB-3E0AE5AFB55B}" type="datetimeFigureOut">
               <a:rPr lang="en-US" smtClean="0"/>
-              <a:t>1/3/2024</a:t>
+              <a:t>9/19/2024</a:t>
             </a:fld>
             <a:endParaRPr lang="en-US"/>
           </a:p>
@@ -1847,7 +2036,7 @@
           <a:p>
             <a:fld id="{8BE514D3-B357-4D03-A6FB-3E0AE5AFB55B}" type="datetimeFigureOut">
               <a:rPr lang="en-US" smtClean="0"/>
-              <a:t>1/3/2024</a:t>
+              <a:t>9/19/2024</a:t>
             </a:fld>
             <a:endParaRPr lang="en-US"/>
           </a:p>
@@ -2112,7 +2301,7 @@
           <a:p>
             <a:fld id="{8BE514D3-B357-4D03-A6FB-3E0AE5AFB55B}" type="datetimeFigureOut">
               <a:rPr lang="en-US" smtClean="0"/>
-              <a:t>1/3/2024</a:t>
+              <a:t>9/19/2024</a:t>
             </a:fld>
             <a:endParaRPr lang="en-US"/>
           </a:p>
@@ -2524,7 +2713,7 @@
           <a:p>
             <a:fld id="{8BE514D3-B357-4D03-A6FB-3E0AE5AFB55B}" type="datetimeFigureOut">
               <a:rPr lang="en-US" smtClean="0"/>
-              <a:t>1/3/2024</a:t>
+              <a:t>9/19/2024</a:t>
             </a:fld>
             <a:endParaRPr lang="en-US"/>
           </a:p>
@@ -2665,7 +2854,7 @@
           <a:p>
             <a:fld id="{8BE514D3-B357-4D03-A6FB-3E0AE5AFB55B}" type="datetimeFigureOut">
               <a:rPr lang="en-US" smtClean="0"/>
-              <a:t>1/3/2024</a:t>
+              <a:t>9/19/2024</a:t>
             </a:fld>
             <a:endParaRPr lang="en-US"/>
           </a:p>
@@ -2778,7 +2967,7 @@
           <a:p>
             <a:fld id="{8BE514D3-B357-4D03-A6FB-3E0AE5AFB55B}" type="datetimeFigureOut">
               <a:rPr lang="en-US" smtClean="0"/>
-              <a:t>1/3/2024</a:t>
+              <a:t>9/19/2024</a:t>
             </a:fld>
             <a:endParaRPr lang="en-US"/>
           </a:p>
@@ -3089,7 +3278,7 @@
           <a:p>
             <a:fld id="{8BE514D3-B357-4D03-A6FB-3E0AE5AFB55B}" type="datetimeFigureOut">
               <a:rPr lang="en-US" smtClean="0"/>
-              <a:t>1/3/2024</a:t>
+              <a:t>9/19/2024</a:t>
             </a:fld>
             <a:endParaRPr lang="en-US"/>
           </a:p>
@@ -3377,7 +3566,7 @@
           <a:p>
             <a:fld id="{8BE514D3-B357-4D03-A6FB-3E0AE5AFB55B}" type="datetimeFigureOut">
               <a:rPr lang="en-US" smtClean="0"/>
-              <a:t>1/3/2024</a:t>
+              <a:t>9/19/2024</a:t>
             </a:fld>
             <a:endParaRPr lang="en-US"/>
           </a:p>
@@ -3618,7 +3807,7 @@
           <a:p>
             <a:fld id="{8BE514D3-B357-4D03-A6FB-3E0AE5AFB55B}" type="datetimeFigureOut">
               <a:rPr lang="en-US" smtClean="0"/>
-              <a:t>1/3/2024</a:t>
+              <a:t>9/19/2024</a:t>
             </a:fld>
             <a:endParaRPr lang="en-US"/>
           </a:p>
@@ -4038,15 +4227,9 @@
       </p:grpSpPr>
       <p:sp>
         <p:nvSpPr>
-          <p:cNvPr id="4" name="Title 3">
-            <a:extLst>
-              <a:ext uri="{FF2B5EF4-FFF2-40B4-BE49-F238E27FC236}">
-                <a16:creationId xmlns:a16="http://schemas.microsoft.com/office/drawing/2014/main" id="{C8B4F961-0757-D2B8-842E-86DF2976EDF7}"/>
-              </a:ext>
-            </a:extLst>
-          </p:cNvPr>
-          <p:cNvSpPr>
-            <a:spLocks noGrp="1"/>
+          <p:cNvPr id="3074" name="Rectangle 4"/>
+          <p:cNvSpPr>
+            <a:spLocks noGrp="1" noChangeArrowheads="1"/>
           </p:cNvSpPr>
           <p:nvPr>
             <p:ph type="title"/>
@@ -4054,64 +4237,97 @@
         </p:nvSpPr>
         <p:spPr/>
         <p:txBody>
+          <a:bodyPr>
+            <a:normAutofit/>
+          </a:bodyPr>
+          <a:lstStyle/>
+          <a:p>
+            <a:r>
+              <a:rPr lang="en-US" dirty="0"/>
+              <a:t>Class Goals: Basic research methods</a:t>
+            </a:r>
+          </a:p>
+        </p:txBody>
+      </p:sp>
+      <p:sp>
+        <p:nvSpPr>
+          <p:cNvPr id="3075" name="Rectangle 5"/>
+          <p:cNvSpPr>
+            <a:spLocks noGrp="1" noChangeArrowheads="1"/>
+          </p:cNvSpPr>
+          <p:nvPr>
+            <p:ph type="body" idx="1"/>
+          </p:nvPr>
+        </p:nvSpPr>
+        <p:spPr/>
+        <p:txBody>
           <a:bodyPr/>
           <a:lstStyle/>
           <a:p>
             <a:r>
               <a:rPr lang="en-US" dirty="0"/>
-              <a:t>205 Jan 05, Class 2</a:t>
-            </a:r>
-          </a:p>
-        </p:txBody>
-      </p:sp>
-      <p:sp>
-        <p:nvSpPr>
-          <p:cNvPr id="5" name="Content Placeholder 4">
-            <a:extLst>
-              <a:ext uri="{FF2B5EF4-FFF2-40B4-BE49-F238E27FC236}">
-                <a16:creationId xmlns:a16="http://schemas.microsoft.com/office/drawing/2014/main" id="{9906ADE8-E432-6D03-421D-EF4369ADB3FF}"/>
-              </a:ext>
-            </a:extLst>
-          </p:cNvPr>
-          <p:cNvSpPr>
-            <a:spLocks noGrp="1"/>
-          </p:cNvSpPr>
-          <p:nvPr>
-            <p:ph idx="1"/>
-          </p:nvPr>
-        </p:nvSpPr>
-        <p:spPr/>
-        <p:txBody>
-          <a:bodyPr/>
-          <a:lstStyle/>
-          <a:p>
-            <a:r>
-              <a:rPr lang="en-US" dirty="0"/>
-              <a:t>Chapter 1: Basics of Experimentation</a:t>
+              <a:t>Experimental design</a:t>
             </a:r>
           </a:p>
           <a:p>
             <a:pPr lvl="1"/>
             <a:r>
               <a:rPr lang="en-US" dirty="0"/>
-              <a:t>Errors of experimentation</a:t>
+              <a:t>Between/within participant designs</a:t>
             </a:r>
           </a:p>
           <a:p>
             <a:pPr lvl="1"/>
-            <a:endParaRPr lang="en-US" dirty="0"/>
-          </a:p>
-          <a:p>
-            <a:r>
-              <a:rPr lang="en-US" dirty="0"/>
-              <a:t>Craik &amp; Lockhart (1972)</a:t>
+            <a:r>
+              <a:rPr lang="en-US" dirty="0"/>
+              <a:t>Factorial designs</a:t>
             </a:r>
           </a:p>
           <a:p>
             <a:pPr lvl="1"/>
             <a:r>
               <a:rPr lang="en-US" dirty="0"/>
-              <a:t>Theoretical ideas behind “depths of processing”</a:t>
+              <a:t>Correlational design</a:t>
+            </a:r>
+          </a:p>
+          <a:p>
+            <a:r>
+              <a:rPr lang="en-US" dirty="0"/>
+              <a:t>Experimental statistics</a:t>
+            </a:r>
+          </a:p>
+          <a:p>
+            <a:pPr lvl="1"/>
+            <a:r>
+              <a:rPr lang="en-US" dirty="0"/>
+              <a:t>Descriptive statistics: mean, standard deviation, standard error</a:t>
+            </a:r>
+          </a:p>
+          <a:p>
+            <a:pPr lvl="1"/>
+            <a:r>
+              <a:rPr lang="en-US" dirty="0"/>
+              <a:t>Inferential statistics: t-test, ANOVA, correlation, chi squared</a:t>
+            </a:r>
+          </a:p>
+          <a:p>
+            <a:r>
+              <a:rPr lang="en-US" dirty="0"/>
+              <a:t>Research ethics</a:t>
+            </a:r>
+          </a:p>
+          <a:p>
+            <a:pPr lvl="1"/>
+            <a:r>
+              <a:rPr lang="en-US" dirty="0"/>
+              <a:t>Fair and equitable treatment of participants</a:t>
+            </a:r>
+          </a:p>
+          <a:p>
+            <a:pPr lvl="1"/>
+            <a:r>
+              <a:rPr lang="en-US" dirty="0"/>
+              <a:t>Responsible Conduct of Research</a:t>
             </a:r>
           </a:p>
         </p:txBody>
@@ -4119,7 +4335,7 @@
     </p:spTree>
     <p:extLst>
       <p:ext uri="{BB962C8B-B14F-4D97-AF65-F5344CB8AC3E}">
-        <p14:creationId xmlns:p14="http://schemas.microsoft.com/office/powerpoint/2010/main" val="1665069168"/>
+        <p14:creationId xmlns:p14="http://schemas.microsoft.com/office/powerpoint/2010/main" val="2482595497"/>
       </p:ext>
     </p:extLst>
   </p:cSld>
@@ -4151,6 +4367,344 @@
           <p:cNvPr id="2" name="Title 1">
             <a:extLst>
               <a:ext uri="{FF2B5EF4-FFF2-40B4-BE49-F238E27FC236}">
+                <a16:creationId xmlns:a16="http://schemas.microsoft.com/office/drawing/2014/main" id="{AC6ED9B8-570D-6B5E-75CF-0462B341F1DE}"/>
+              </a:ext>
+            </a:extLst>
+          </p:cNvPr>
+          <p:cNvSpPr>
+            <a:spLocks noGrp="1"/>
+          </p:cNvSpPr>
+          <p:nvPr>
+            <p:ph type="title"/>
+          </p:nvPr>
+        </p:nvSpPr>
+        <p:spPr/>
+        <p:txBody>
+          <a:bodyPr/>
+          <a:lstStyle/>
+          <a:p>
+            <a:r>
+              <a:rPr lang="en-US" dirty="0"/>
+              <a:t>CL1972 HW Questions</a:t>
+            </a:r>
+          </a:p>
+        </p:txBody>
+      </p:sp>
+      <p:sp>
+        <p:nvSpPr>
+          <p:cNvPr id="3" name="Content Placeholder 2">
+            <a:extLst>
+              <a:ext uri="{FF2B5EF4-FFF2-40B4-BE49-F238E27FC236}">
+                <a16:creationId xmlns:a16="http://schemas.microsoft.com/office/drawing/2014/main" id="{46434B38-329E-EB87-7E86-C2451FC095B0}"/>
+              </a:ext>
+            </a:extLst>
+          </p:cNvPr>
+          <p:cNvSpPr>
+            <a:spLocks noGrp="1"/>
+          </p:cNvSpPr>
+          <p:nvPr>
+            <p:ph idx="1"/>
+          </p:nvPr>
+        </p:nvSpPr>
+        <p:spPr/>
+        <p:txBody>
+          <a:bodyPr>
+            <a:normAutofit/>
+          </a:bodyPr>
+          <a:lstStyle/>
+          <a:p>
+            <a:r>
+              <a:rPr lang="en-US" dirty="0"/>
+              <a:t>1. What is 'depth of processing' and why might it lead to better memory?</a:t>
+            </a:r>
+          </a:p>
+          <a:p>
+            <a:endParaRPr lang="en-US" dirty="0"/>
+          </a:p>
+          <a:p>
+            <a:r>
+              <a:rPr lang="en-US" dirty="0"/>
+              <a:t>2. In our study, what was the operational definition of 'deep encoding'?</a:t>
+            </a:r>
+          </a:p>
+          <a:p>
+            <a:endParaRPr lang="en-US" dirty="0"/>
+          </a:p>
+          <a:p>
+            <a:r>
+              <a:rPr lang="en-US" dirty="0"/>
+              <a:t>3  In our study, what was the operational definition of 'shallow encoding'?</a:t>
+            </a:r>
+          </a:p>
+          <a:p>
+            <a:endParaRPr lang="en-US" dirty="0"/>
+          </a:p>
+        </p:txBody>
+      </p:sp>
+    </p:spTree>
+    <p:extLst>
+      <p:ext uri="{BB962C8B-B14F-4D97-AF65-F5344CB8AC3E}">
+        <p14:creationId xmlns:p14="http://schemas.microsoft.com/office/powerpoint/2010/main" val="3035606701"/>
+      </p:ext>
+    </p:extLst>
+  </p:cSld>
+  <p:clrMapOvr>
+    <a:masterClrMapping/>
+  </p:clrMapOvr>
+</p:sld>
+</file>
+
+<file path=ppt/slides/slide11.xml><?xml version="1.0" encoding="utf-8"?>
+<p:sld xmlns:a="http://schemas.openxmlformats.org/drawingml/2006/main" xmlns:r="http://schemas.openxmlformats.org/officeDocument/2006/relationships" xmlns:p="http://schemas.openxmlformats.org/presentationml/2006/main">
+  <p:cSld>
+    <p:spTree>
+      <p:nvGrpSpPr>
+        <p:cNvPr id="1" name=""/>
+        <p:cNvGrpSpPr/>
+        <p:nvPr/>
+      </p:nvGrpSpPr>
+      <p:grpSpPr>
+        <a:xfrm>
+          <a:off x="0" y="0"/>
+          <a:ext cx="0" cy="0"/>
+          <a:chOff x="0" y="0"/>
+          <a:chExt cx="0" cy="0"/>
+        </a:xfrm>
+      </p:grpSpPr>
+      <p:sp>
+        <p:nvSpPr>
+          <p:cNvPr id="2" name="Title 1">
+            <a:extLst>
+              <a:ext uri="{FF2B5EF4-FFF2-40B4-BE49-F238E27FC236}">
+                <a16:creationId xmlns:a16="http://schemas.microsoft.com/office/drawing/2014/main" id="{F90B7523-D22D-AF49-F20A-CB470593F3B6}"/>
+              </a:ext>
+            </a:extLst>
+          </p:cNvPr>
+          <p:cNvSpPr>
+            <a:spLocks noGrp="1"/>
+          </p:cNvSpPr>
+          <p:nvPr>
+            <p:ph type="title"/>
+          </p:nvPr>
+        </p:nvSpPr>
+        <p:spPr/>
+        <p:txBody>
+          <a:bodyPr/>
+          <a:lstStyle/>
+          <a:p>
+            <a:r>
+              <a:rPr lang="en-US" dirty="0"/>
+              <a:t>CL1972 HW Questions</a:t>
+            </a:r>
+          </a:p>
+        </p:txBody>
+      </p:sp>
+      <p:sp>
+        <p:nvSpPr>
+          <p:cNvPr id="3" name="Content Placeholder 2">
+            <a:extLst>
+              <a:ext uri="{FF2B5EF4-FFF2-40B4-BE49-F238E27FC236}">
+                <a16:creationId xmlns:a16="http://schemas.microsoft.com/office/drawing/2014/main" id="{ED77EA49-11E6-F0A1-B93D-311236448752}"/>
+              </a:ext>
+            </a:extLst>
+          </p:cNvPr>
+          <p:cNvSpPr>
+            <a:spLocks noGrp="1"/>
+          </p:cNvSpPr>
+          <p:nvPr>
+            <p:ph idx="1"/>
+          </p:nvPr>
+        </p:nvSpPr>
+        <p:spPr/>
+        <p:txBody>
+          <a:bodyPr/>
+          <a:lstStyle/>
+          <a:p>
+            <a:r>
+              <a:rPr lang="en-US" dirty="0"/>
+              <a:t>4. From the prior work cited (e.g., p 677), give another example of how researchers have implemented a different procedure to create shallow encoding.</a:t>
+            </a:r>
+          </a:p>
+          <a:p>
+            <a:endParaRPr lang="en-US" dirty="0"/>
+          </a:p>
+          <a:p>
+            <a:r>
+              <a:rPr lang="en-US" dirty="0"/>
+              <a:t>5. Give another example of deep encoding from the briefly reviewed prior work.</a:t>
+            </a:r>
+          </a:p>
+          <a:p>
+            <a:endParaRPr lang="en-US" dirty="0"/>
+          </a:p>
+        </p:txBody>
+      </p:sp>
+    </p:spTree>
+    <p:extLst>
+      <p:ext uri="{BB962C8B-B14F-4D97-AF65-F5344CB8AC3E}">
+        <p14:creationId xmlns:p14="http://schemas.microsoft.com/office/powerpoint/2010/main" val="2377111929"/>
+      </p:ext>
+    </p:extLst>
+  </p:cSld>
+  <p:clrMapOvr>
+    <a:masterClrMapping/>
+  </p:clrMapOvr>
+</p:sld>
+</file>
+
+<file path=ppt/slides/slide12.xml><?xml version="1.0" encoding="utf-8"?>
+<p:sld xmlns:a="http://schemas.openxmlformats.org/drawingml/2006/main" xmlns:r="http://schemas.openxmlformats.org/officeDocument/2006/relationships" xmlns:p="http://schemas.openxmlformats.org/presentationml/2006/main">
+  <p:cSld>
+    <p:spTree>
+      <p:nvGrpSpPr>
+        <p:cNvPr id="1" name=""/>
+        <p:cNvGrpSpPr/>
+        <p:nvPr/>
+      </p:nvGrpSpPr>
+      <p:grpSpPr>
+        <a:xfrm>
+          <a:off x="0" y="0"/>
+          <a:ext cx="0" cy="0"/>
+          <a:chOff x="0" y="0"/>
+          <a:chExt cx="0" cy="0"/>
+        </a:xfrm>
+      </p:grpSpPr>
+      <p:sp>
+        <p:nvSpPr>
+          <p:cNvPr id="2" name="Title 1">
+            <a:extLst>
+              <a:ext uri="{FF2B5EF4-FFF2-40B4-BE49-F238E27FC236}">
+                <a16:creationId xmlns:a16="http://schemas.microsoft.com/office/drawing/2014/main" id="{5FC20EF1-5864-CD56-0FC6-B87C63FDC7F3}"/>
+              </a:ext>
+            </a:extLst>
+          </p:cNvPr>
+          <p:cNvSpPr>
+            <a:spLocks noGrp="1"/>
+          </p:cNvSpPr>
+          <p:nvPr>
+            <p:ph type="title"/>
+          </p:nvPr>
+        </p:nvSpPr>
+        <p:spPr/>
+        <p:txBody>
+          <a:bodyPr/>
+          <a:lstStyle/>
+          <a:p>
+            <a:r>
+              <a:rPr lang="en-US" dirty="0"/>
+              <a:t>Experimental control</a:t>
+            </a:r>
+          </a:p>
+        </p:txBody>
+      </p:sp>
+      <p:sp>
+        <p:nvSpPr>
+          <p:cNvPr id="3" name="Content Placeholder 2">
+            <a:extLst>
+              <a:ext uri="{FF2B5EF4-FFF2-40B4-BE49-F238E27FC236}">
+                <a16:creationId xmlns:a16="http://schemas.microsoft.com/office/drawing/2014/main" id="{E32D1B81-2D19-4DEA-4441-BC4255BBE320}"/>
+              </a:ext>
+            </a:extLst>
+          </p:cNvPr>
+          <p:cNvSpPr>
+            <a:spLocks noGrp="1"/>
+          </p:cNvSpPr>
+          <p:nvPr>
+            <p:ph idx="1"/>
+          </p:nvPr>
+        </p:nvSpPr>
+        <p:spPr/>
+        <p:txBody>
+          <a:bodyPr/>
+          <a:lstStyle/>
+          <a:p>
+            <a:r>
+              <a:rPr lang="en-US" dirty="0"/>
+              <a:t>What if the process of carrying out the deep encoding instructions takes longer than shallow encoding?</a:t>
+            </a:r>
+          </a:p>
+          <a:p>
+            <a:pPr lvl="1"/>
+            <a:r>
+              <a:rPr lang="en-US" dirty="0"/>
+              <a:t>Suppose it takes ~2 seconds to rate liking but &lt;1s to count vowels</a:t>
+            </a:r>
+          </a:p>
+          <a:p>
+            <a:endParaRPr lang="en-US" dirty="0"/>
+          </a:p>
+          <a:p>
+            <a:r>
+              <a:rPr lang="en-US" dirty="0"/>
+              <a:t>What is an </a:t>
+            </a:r>
+            <a:r>
+              <a:rPr lang="en-US" u="sng" dirty="0"/>
+              <a:t>alternate explanation</a:t>
+            </a:r>
+            <a:r>
+              <a:rPr lang="en-US" dirty="0"/>
+              <a:t> for the finding that “deep encoding leads to better memory than shallow encoding”?</a:t>
+            </a:r>
+          </a:p>
+          <a:p>
+            <a:pPr lvl="1"/>
+            <a:r>
+              <a:rPr lang="en-US" dirty="0"/>
+              <a:t>An alternate explanation does not change the data</a:t>
+            </a:r>
+          </a:p>
+          <a:p>
+            <a:pPr lvl="2"/>
+            <a:r>
+              <a:rPr lang="en-US" dirty="0"/>
+              <a:t>Liking group still out-scores the vowel counting group</a:t>
+            </a:r>
+          </a:p>
+          <a:p>
+            <a:pPr lvl="1"/>
+            <a:r>
+              <a:rPr lang="en-US" dirty="0"/>
+              <a:t>Provides a characterization of the data that is inconsistent with the theoretical aspect of the conclusion.</a:t>
+            </a:r>
+          </a:p>
+        </p:txBody>
+      </p:sp>
+    </p:spTree>
+    <p:extLst>
+      <p:ext uri="{BB962C8B-B14F-4D97-AF65-F5344CB8AC3E}">
+        <p14:creationId xmlns:p14="http://schemas.microsoft.com/office/powerpoint/2010/main" val="2859934004"/>
+      </p:ext>
+    </p:extLst>
+  </p:cSld>
+  <p:clrMapOvr>
+    <a:masterClrMapping/>
+  </p:clrMapOvr>
+</p:sld>
+</file>
+
+<file path=ppt/slides/slide13.xml><?xml version="1.0" encoding="utf-8"?>
+<p:sld xmlns:a="http://schemas.openxmlformats.org/drawingml/2006/main" xmlns:r="http://schemas.openxmlformats.org/officeDocument/2006/relationships" xmlns:p="http://schemas.openxmlformats.org/presentationml/2006/main">
+  <p:cSld>
+    <p:spTree>
+      <p:nvGrpSpPr>
+        <p:cNvPr id="1" name=""/>
+        <p:cNvGrpSpPr/>
+        <p:nvPr/>
+      </p:nvGrpSpPr>
+      <p:grpSpPr>
+        <a:xfrm>
+          <a:off x="0" y="0"/>
+          <a:ext cx="0" cy="0"/>
+          <a:chOff x="0" y="0"/>
+          <a:chExt cx="0" cy="0"/>
+        </a:xfrm>
+      </p:grpSpPr>
+      <p:sp>
+        <p:nvSpPr>
+          <p:cNvPr id="2" name="Title 1">
+            <a:extLst>
+              <a:ext uri="{FF2B5EF4-FFF2-40B4-BE49-F238E27FC236}">
                 <a16:creationId xmlns:a16="http://schemas.microsoft.com/office/drawing/2014/main" id="{237BFC9F-AABC-09B6-CFF1-EAF574657CD8}"/>
               </a:ext>
             </a:extLst>
@@ -4249,6 +4803,410 @@
 </file>
 
 <file path=ppt/slides/slide2.xml><?xml version="1.0" encoding="utf-8"?>
+<p:sld xmlns:a="http://schemas.openxmlformats.org/drawingml/2006/main" xmlns:r="http://schemas.openxmlformats.org/officeDocument/2006/relationships" xmlns:p="http://schemas.openxmlformats.org/presentationml/2006/main">
+  <p:cSld>
+    <p:spTree>
+      <p:nvGrpSpPr>
+        <p:cNvPr id="1" name=""/>
+        <p:cNvGrpSpPr/>
+        <p:nvPr/>
+      </p:nvGrpSpPr>
+      <p:grpSpPr>
+        <a:xfrm>
+          <a:off x="0" y="0"/>
+          <a:ext cx="0" cy="0"/>
+          <a:chOff x="0" y="0"/>
+          <a:chExt cx="0" cy="0"/>
+        </a:xfrm>
+      </p:grpSpPr>
+      <p:sp>
+        <p:nvSpPr>
+          <p:cNvPr id="4098" name="Rectangle 2"/>
+          <p:cNvSpPr>
+            <a:spLocks noGrp="1" noChangeArrowheads="1"/>
+          </p:cNvSpPr>
+          <p:nvPr>
+            <p:ph type="title"/>
+          </p:nvPr>
+        </p:nvSpPr>
+        <p:spPr/>
+        <p:txBody>
+          <a:bodyPr/>
+          <a:lstStyle/>
+          <a:p>
+            <a:pPr eaLnBrk="1" hangingPunct="1"/>
+            <a:r>
+              <a:rPr lang="en-US"/>
+              <a:t>Critical thinking</a:t>
+            </a:r>
+          </a:p>
+        </p:txBody>
+      </p:sp>
+      <p:sp>
+        <p:nvSpPr>
+          <p:cNvPr id="4099" name="Rectangle 3"/>
+          <p:cNvSpPr>
+            <a:spLocks noGrp="1" noChangeArrowheads="1"/>
+          </p:cNvSpPr>
+          <p:nvPr>
+            <p:ph type="body" idx="1"/>
+          </p:nvPr>
+        </p:nvSpPr>
+        <p:spPr/>
+        <p:txBody>
+          <a:bodyPr/>
+          <a:lstStyle/>
+          <a:p>
+            <a:pPr eaLnBrk="1" hangingPunct="1"/>
+            <a:r>
+              <a:rPr lang="en-US" dirty="0"/>
+              <a:t>Validity</a:t>
+            </a:r>
+          </a:p>
+          <a:p>
+            <a:pPr lvl="1" eaLnBrk="1" hangingPunct="1"/>
+            <a:r>
+              <a:rPr lang="en-US" dirty="0"/>
+              <a:t>Design logic</a:t>
+            </a:r>
+          </a:p>
+          <a:p>
+            <a:pPr lvl="1" eaLnBrk="1" hangingPunct="1"/>
+            <a:r>
+              <a:rPr lang="en-US" dirty="0"/>
+              <a:t>Interpreting results</a:t>
+            </a:r>
+          </a:p>
+          <a:p>
+            <a:pPr lvl="1" eaLnBrk="1" hangingPunct="1"/>
+            <a:r>
+              <a:rPr lang="en-US" dirty="0"/>
+              <a:t>Identifying confounds</a:t>
+            </a:r>
+          </a:p>
+          <a:p>
+            <a:r>
+              <a:rPr lang="en-US" dirty="0"/>
+              <a:t>Reliability</a:t>
+            </a:r>
+          </a:p>
+          <a:p>
+            <a:pPr lvl="1"/>
+            <a:r>
+              <a:rPr lang="en-US" dirty="0"/>
+              <a:t>Statistical relationships among variables</a:t>
+            </a:r>
+          </a:p>
+          <a:p>
+            <a:pPr lvl="1"/>
+            <a:r>
+              <a:rPr lang="en-US" dirty="0"/>
+              <a:t>Accuracy of operational definitions to constructs</a:t>
+            </a:r>
+          </a:p>
+          <a:p>
+            <a:pPr lvl="1"/>
+            <a:r>
+              <a:rPr lang="en-US" dirty="0"/>
+              <a:t>Selection artifacts/bias</a:t>
+            </a:r>
+          </a:p>
+          <a:p>
+            <a:r>
+              <a:rPr lang="en-US" dirty="0"/>
+              <a:t>Understanding published research</a:t>
+            </a:r>
+          </a:p>
+          <a:p>
+            <a:pPr lvl="1"/>
+            <a:r>
+              <a:rPr lang="en-US" dirty="0"/>
+              <a:t>Including from media report summaries</a:t>
+            </a:r>
+          </a:p>
+          <a:p>
+            <a:pPr eaLnBrk="1" hangingPunct="1"/>
+            <a:endParaRPr lang="en-US" dirty="0"/>
+          </a:p>
+        </p:txBody>
+      </p:sp>
+    </p:spTree>
+    <p:extLst>
+      <p:ext uri="{BB962C8B-B14F-4D97-AF65-F5344CB8AC3E}">
+        <p14:creationId xmlns:p14="http://schemas.microsoft.com/office/powerpoint/2010/main" val="2760976157"/>
+      </p:ext>
+    </p:extLst>
+  </p:cSld>
+  <p:clrMapOvr>
+    <a:masterClrMapping/>
+  </p:clrMapOvr>
+</p:sld>
+</file>
+
+<file path=ppt/slides/slide3.xml><?xml version="1.0" encoding="utf-8"?>
+<p:sld xmlns:a="http://schemas.openxmlformats.org/drawingml/2006/main" xmlns:r="http://schemas.openxmlformats.org/officeDocument/2006/relationships" xmlns:p="http://schemas.openxmlformats.org/presentationml/2006/main">
+  <p:cSld>
+    <p:spTree>
+      <p:nvGrpSpPr>
+        <p:cNvPr id="1" name=""/>
+        <p:cNvGrpSpPr/>
+        <p:nvPr/>
+      </p:nvGrpSpPr>
+      <p:grpSpPr>
+        <a:xfrm>
+          <a:off x="0" y="0"/>
+          <a:ext cx="0" cy="0"/>
+          <a:chOff x="0" y="0"/>
+          <a:chExt cx="0" cy="0"/>
+        </a:xfrm>
+      </p:grpSpPr>
+      <p:sp>
+        <p:nvSpPr>
+          <p:cNvPr id="2" name="Title 1">
+            <a:extLst>
+              <a:ext uri="{FF2B5EF4-FFF2-40B4-BE49-F238E27FC236}">
+                <a16:creationId xmlns:a16="http://schemas.microsoft.com/office/drawing/2014/main" id="{AAF99FA3-BC5B-616A-B0C1-5C15EE0D5AA2}"/>
+              </a:ext>
+            </a:extLst>
+          </p:cNvPr>
+          <p:cNvSpPr>
+            <a:spLocks noGrp="1"/>
+          </p:cNvSpPr>
+          <p:nvPr>
+            <p:ph type="title"/>
+          </p:nvPr>
+        </p:nvSpPr>
+        <p:spPr/>
+        <p:txBody>
+          <a:bodyPr/>
+          <a:lstStyle/>
+          <a:p>
+            <a:endParaRPr lang="en-US"/>
+          </a:p>
+        </p:txBody>
+      </p:sp>
+      <p:sp>
+        <p:nvSpPr>
+          <p:cNvPr id="3" name="Content Placeholder 2">
+            <a:extLst>
+              <a:ext uri="{FF2B5EF4-FFF2-40B4-BE49-F238E27FC236}">
+                <a16:creationId xmlns:a16="http://schemas.microsoft.com/office/drawing/2014/main" id="{A49F7413-7834-A46D-7B70-17FBC96004C1}"/>
+              </a:ext>
+            </a:extLst>
+          </p:cNvPr>
+          <p:cNvSpPr>
+            <a:spLocks noGrp="1"/>
+          </p:cNvSpPr>
+          <p:nvPr>
+            <p:ph idx="1"/>
+          </p:nvPr>
+        </p:nvSpPr>
+        <p:spPr/>
+        <p:txBody>
+          <a:bodyPr/>
+          <a:lstStyle/>
+          <a:p>
+            <a:pPr eaLnBrk="1" hangingPunct="1"/>
+            <a:r>
+              <a:rPr lang="en-US" dirty="0"/>
+              <a:t>How to read published research reports</a:t>
+            </a:r>
+          </a:p>
+          <a:p>
+            <a:pPr lvl="1"/>
+            <a:r>
+              <a:rPr lang="en-US" dirty="0"/>
+              <a:t>Theory, methods, conclusions</a:t>
+            </a:r>
+          </a:p>
+          <a:p>
+            <a:pPr eaLnBrk="1" hangingPunct="1"/>
+            <a:r>
+              <a:rPr lang="en-US" dirty="0"/>
+              <a:t>How to write an APA-format paper</a:t>
+            </a:r>
+          </a:p>
+          <a:p>
+            <a:pPr lvl="1" eaLnBrk="1" hangingPunct="1"/>
+            <a:r>
+              <a:rPr lang="en-US" dirty="0"/>
+              <a:t>Abstract, Introduction, Methods, Results, Discussion, References,</a:t>
+            </a:r>
+          </a:p>
+          <a:p>
+            <a:pPr lvl="1" eaLnBrk="1" hangingPunct="1"/>
+            <a:r>
+              <a:rPr lang="en-US" dirty="0"/>
+              <a:t>Figures &amp; Tables for data visualization</a:t>
+            </a:r>
+          </a:p>
+          <a:p>
+            <a:pPr lvl="1" eaLnBrk="1" hangingPunct="1"/>
+            <a:r>
+              <a:rPr lang="en-US" dirty="0"/>
+              <a:t>How to design and plan a study</a:t>
+            </a:r>
+          </a:p>
+          <a:p>
+            <a:pPr lvl="2" eaLnBrk="1" hangingPunct="1"/>
+            <a:r>
+              <a:rPr lang="en-US" dirty="0"/>
+              <a:t>Collecting data</a:t>
+            </a:r>
+          </a:p>
+          <a:p>
+            <a:pPr lvl="2" eaLnBrk="1" hangingPunct="1"/>
+            <a:r>
+              <a:rPr lang="en-US" dirty="0"/>
+              <a:t>Organizing data for analysis</a:t>
+            </a:r>
+          </a:p>
+          <a:p>
+            <a:pPr lvl="1"/>
+            <a:r>
+              <a:rPr lang="en-US" dirty="0"/>
+              <a:t>Background research to present theory and conclusions</a:t>
+            </a:r>
+          </a:p>
+          <a:p>
+            <a:r>
+              <a:rPr lang="en-US" dirty="0"/>
+              <a:t>Presenting your Final Project to the class</a:t>
+            </a:r>
+          </a:p>
+          <a:p>
+            <a:endParaRPr lang="en-US" dirty="0"/>
+          </a:p>
+        </p:txBody>
+      </p:sp>
+    </p:spTree>
+    <p:extLst>
+      <p:ext uri="{BB962C8B-B14F-4D97-AF65-F5344CB8AC3E}">
+        <p14:creationId xmlns:p14="http://schemas.microsoft.com/office/powerpoint/2010/main" val="3605591998"/>
+      </p:ext>
+    </p:extLst>
+  </p:cSld>
+  <p:clrMapOvr>
+    <a:masterClrMapping/>
+  </p:clrMapOvr>
+</p:sld>
+</file>
+
+<file path=ppt/slides/slide4.xml><?xml version="1.0" encoding="utf-8"?>
+<p:sld xmlns:a="http://schemas.openxmlformats.org/drawingml/2006/main" xmlns:r="http://schemas.openxmlformats.org/officeDocument/2006/relationships" xmlns:p="http://schemas.openxmlformats.org/presentationml/2006/main">
+  <p:cSld>
+    <p:spTree>
+      <p:nvGrpSpPr>
+        <p:cNvPr id="1" name=""/>
+        <p:cNvGrpSpPr/>
+        <p:nvPr/>
+      </p:nvGrpSpPr>
+      <p:grpSpPr>
+        <a:xfrm>
+          <a:off x="0" y="0"/>
+          <a:ext cx="0" cy="0"/>
+          <a:chOff x="0" y="0"/>
+          <a:chExt cx="0" cy="0"/>
+        </a:xfrm>
+      </p:grpSpPr>
+      <p:sp>
+        <p:nvSpPr>
+          <p:cNvPr id="4" name="Title 3">
+            <a:extLst>
+              <a:ext uri="{FF2B5EF4-FFF2-40B4-BE49-F238E27FC236}">
+                <a16:creationId xmlns:a16="http://schemas.microsoft.com/office/drawing/2014/main" id="{C8B4F961-0757-D2B8-842E-86DF2976EDF7}"/>
+              </a:ext>
+            </a:extLst>
+          </p:cNvPr>
+          <p:cNvSpPr>
+            <a:spLocks noGrp="1"/>
+          </p:cNvSpPr>
+          <p:nvPr>
+            <p:ph type="title"/>
+          </p:nvPr>
+        </p:nvSpPr>
+        <p:spPr/>
+        <p:txBody>
+          <a:bodyPr/>
+          <a:lstStyle/>
+          <a:p>
+            <a:r>
+              <a:rPr lang="en-US"/>
+              <a:t>205 Sep 27, </a:t>
+            </a:r>
+            <a:r>
+              <a:rPr lang="en-US" dirty="0"/>
+              <a:t>Class 2</a:t>
+            </a:r>
+          </a:p>
+        </p:txBody>
+      </p:sp>
+      <p:sp>
+        <p:nvSpPr>
+          <p:cNvPr id="5" name="Content Placeholder 4">
+            <a:extLst>
+              <a:ext uri="{FF2B5EF4-FFF2-40B4-BE49-F238E27FC236}">
+                <a16:creationId xmlns:a16="http://schemas.microsoft.com/office/drawing/2014/main" id="{9906ADE8-E432-6D03-421D-EF4369ADB3FF}"/>
+              </a:ext>
+            </a:extLst>
+          </p:cNvPr>
+          <p:cNvSpPr>
+            <a:spLocks noGrp="1"/>
+          </p:cNvSpPr>
+          <p:nvPr>
+            <p:ph idx="1"/>
+          </p:nvPr>
+        </p:nvSpPr>
+        <p:spPr/>
+        <p:txBody>
+          <a:bodyPr/>
+          <a:lstStyle/>
+          <a:p>
+            <a:r>
+              <a:rPr lang="en-US" dirty="0"/>
+              <a:t>Chapter 1: Basics of Experimentation</a:t>
+            </a:r>
+          </a:p>
+          <a:p>
+            <a:pPr lvl="1"/>
+            <a:r>
+              <a:rPr lang="en-US" dirty="0"/>
+              <a:t>Errors of experimentation</a:t>
+            </a:r>
+          </a:p>
+          <a:p>
+            <a:pPr lvl="1"/>
+            <a:endParaRPr lang="en-US" dirty="0"/>
+          </a:p>
+          <a:p>
+            <a:r>
+              <a:rPr lang="en-US" dirty="0"/>
+              <a:t>Craik &amp; Lockhart (1972)</a:t>
+            </a:r>
+          </a:p>
+          <a:p>
+            <a:pPr lvl="1"/>
+            <a:r>
+              <a:rPr lang="en-US" dirty="0"/>
+              <a:t>Theoretical ideas behind “depths of processing”</a:t>
+            </a:r>
+          </a:p>
+        </p:txBody>
+      </p:sp>
+    </p:spTree>
+    <p:extLst>
+      <p:ext uri="{BB962C8B-B14F-4D97-AF65-F5344CB8AC3E}">
+        <p14:creationId xmlns:p14="http://schemas.microsoft.com/office/powerpoint/2010/main" val="1665069168"/>
+      </p:ext>
+    </p:extLst>
+  </p:cSld>
+  <p:clrMapOvr>
+    <a:masterClrMapping/>
+  </p:clrMapOvr>
+</p:sld>
+</file>
+
+<file path=ppt/slides/slide5.xml><?xml version="1.0" encoding="utf-8"?>
 <p:sld xmlns:a="http://schemas.openxmlformats.org/drawingml/2006/main" xmlns:r="http://schemas.openxmlformats.org/officeDocument/2006/relationships" xmlns:p="http://schemas.openxmlformats.org/presentationml/2006/main">
   <p:cSld>
     <p:spTree>
@@ -6278,422 +7236,6 @@
 </p:sld>
 </file>
 
-<file path=ppt/slides/slide3.xml><?xml version="1.0" encoding="utf-8"?>
-<p:sld xmlns:a="http://schemas.openxmlformats.org/drawingml/2006/main" xmlns:r="http://schemas.openxmlformats.org/officeDocument/2006/relationships" xmlns:p="http://schemas.openxmlformats.org/presentationml/2006/main">
-  <p:cSld>
-    <p:spTree>
-      <p:nvGrpSpPr>
-        <p:cNvPr id="1" name=""/>
-        <p:cNvGrpSpPr/>
-        <p:nvPr/>
-      </p:nvGrpSpPr>
-      <p:grpSpPr>
-        <a:xfrm>
-          <a:off x="0" y="0"/>
-          <a:ext cx="0" cy="0"/>
-          <a:chOff x="0" y="0"/>
-          <a:chExt cx="0" cy="0"/>
-        </a:xfrm>
-      </p:grpSpPr>
-      <p:sp>
-        <p:nvSpPr>
-          <p:cNvPr id="5" name="Title 4">
-            <a:extLst>
-              <a:ext uri="{FF2B5EF4-FFF2-40B4-BE49-F238E27FC236}">
-                <a16:creationId xmlns:a16="http://schemas.microsoft.com/office/drawing/2014/main" id="{45932C1B-AF86-6649-7F9B-9C8BAC3A2230}"/>
-              </a:ext>
-            </a:extLst>
-          </p:cNvPr>
-          <p:cNvSpPr>
-            <a:spLocks noGrp="1"/>
-          </p:cNvSpPr>
-          <p:nvPr>
-            <p:ph type="title"/>
-          </p:nvPr>
-        </p:nvSpPr>
-        <p:spPr/>
-        <p:txBody>
-          <a:bodyPr/>
-          <a:lstStyle/>
-          <a:p>
-            <a:r>
-              <a:rPr lang="en-US" dirty="0"/>
-              <a:t>Inferences from experimentation</a:t>
-            </a:r>
-          </a:p>
-        </p:txBody>
-      </p:sp>
-      <p:sp>
-        <p:nvSpPr>
-          <p:cNvPr id="6" name="Content Placeholder 5">
-            <a:extLst>
-              <a:ext uri="{FF2B5EF4-FFF2-40B4-BE49-F238E27FC236}">
-                <a16:creationId xmlns:a16="http://schemas.microsoft.com/office/drawing/2014/main" id="{204844EC-ED04-BF62-9C5B-8ADFD76C5894}"/>
-              </a:ext>
-            </a:extLst>
-          </p:cNvPr>
-          <p:cNvSpPr>
-            <a:spLocks noGrp="1"/>
-          </p:cNvSpPr>
-          <p:nvPr>
-            <p:ph idx="1"/>
-          </p:nvPr>
-        </p:nvSpPr>
-        <p:spPr/>
-        <p:txBody>
-          <a:bodyPr/>
-          <a:lstStyle/>
-          <a:p>
-            <a:r>
-              <a:rPr lang="en-US" dirty="0"/>
-              <a:t>Reliability</a:t>
-            </a:r>
-          </a:p>
-          <a:p>
-            <a:pPr lvl="1"/>
-            <a:r>
-              <a:rPr lang="en-US" dirty="0"/>
-              <a:t>Statistics: the IV affected the DV, e.g., p&lt;.05</a:t>
-            </a:r>
-          </a:p>
-          <a:p>
-            <a:pPr lvl="1"/>
-            <a:r>
-              <a:rPr lang="en-US" dirty="0"/>
-              <a:t>Technically the probability is the “chance of obtaining these data under the null hypothesis”</a:t>
-            </a:r>
-          </a:p>
-          <a:p>
-            <a:pPr lvl="2"/>
-            <a:r>
-              <a:rPr lang="en-US" dirty="0"/>
-              <a:t>Null = IV does not affect the DV</a:t>
-            </a:r>
-          </a:p>
-          <a:p>
-            <a:pPr lvl="1"/>
-            <a:r>
-              <a:rPr lang="en-US" dirty="0"/>
-              <a:t>Reliability really should mean the probability that the experiment is reproducible</a:t>
-            </a:r>
-          </a:p>
-          <a:p>
-            <a:r>
-              <a:rPr lang="en-US" dirty="0"/>
-              <a:t>Validity</a:t>
-            </a:r>
-          </a:p>
-          <a:p>
-            <a:pPr lvl="1"/>
-            <a:r>
-              <a:rPr lang="en-US" dirty="0"/>
-              <a:t>The experiment means what we say it means</a:t>
-            </a:r>
-          </a:p>
-          <a:p>
-            <a:pPr lvl="1"/>
-            <a:r>
-              <a:rPr lang="en-US" dirty="0"/>
-              <a:t>Operational definition problems (measurement)</a:t>
-            </a:r>
-          </a:p>
-          <a:p>
-            <a:pPr lvl="1"/>
-            <a:r>
-              <a:rPr lang="en-US" dirty="0"/>
-              <a:t>Confounds and alternate explanations</a:t>
-            </a:r>
-          </a:p>
-          <a:p>
-            <a:endParaRPr lang="en-US" dirty="0"/>
-          </a:p>
-        </p:txBody>
-      </p:sp>
-    </p:spTree>
-    <p:extLst>
-      <p:ext uri="{BB962C8B-B14F-4D97-AF65-F5344CB8AC3E}">
-        <p14:creationId xmlns:p14="http://schemas.microsoft.com/office/powerpoint/2010/main" val="295721713"/>
-      </p:ext>
-    </p:extLst>
-  </p:cSld>
-  <p:clrMapOvr>
-    <a:masterClrMapping/>
-  </p:clrMapOvr>
-</p:sld>
-</file>
-
-<file path=ppt/slides/slide4.xml><?xml version="1.0" encoding="utf-8"?>
-<p:sld xmlns:a="http://schemas.openxmlformats.org/drawingml/2006/main" xmlns:r="http://schemas.openxmlformats.org/officeDocument/2006/relationships" xmlns:p="http://schemas.openxmlformats.org/presentationml/2006/main">
-  <p:cSld>
-    <p:spTree>
-      <p:nvGrpSpPr>
-        <p:cNvPr id="1" name=""/>
-        <p:cNvGrpSpPr/>
-        <p:nvPr/>
-      </p:nvGrpSpPr>
-      <p:grpSpPr>
-        <a:xfrm>
-          <a:off x="0" y="0"/>
-          <a:ext cx="0" cy="0"/>
-          <a:chOff x="0" y="0"/>
-          <a:chExt cx="0" cy="0"/>
-        </a:xfrm>
-      </p:grpSpPr>
-      <p:sp>
-        <p:nvSpPr>
-          <p:cNvPr id="2" name="Title 1">
-            <a:extLst>
-              <a:ext uri="{FF2B5EF4-FFF2-40B4-BE49-F238E27FC236}">
-                <a16:creationId xmlns:a16="http://schemas.microsoft.com/office/drawing/2014/main" id="{FCD80367-9B98-E229-6962-0F38CEB6031E}"/>
-              </a:ext>
-            </a:extLst>
-          </p:cNvPr>
-          <p:cNvSpPr>
-            <a:spLocks noGrp="1"/>
-          </p:cNvSpPr>
-          <p:nvPr>
-            <p:ph type="title"/>
-          </p:nvPr>
-        </p:nvSpPr>
-        <p:spPr/>
-        <p:txBody>
-          <a:bodyPr/>
-          <a:lstStyle/>
-          <a:p>
-            <a:r>
-              <a:rPr lang="en-US" dirty="0"/>
-              <a:t>Experimental Error</a:t>
-            </a:r>
-          </a:p>
-        </p:txBody>
-      </p:sp>
-      <p:sp>
-        <p:nvSpPr>
-          <p:cNvPr id="3" name="Content Placeholder 2">
-            <a:extLst>
-              <a:ext uri="{FF2B5EF4-FFF2-40B4-BE49-F238E27FC236}">
-                <a16:creationId xmlns:a16="http://schemas.microsoft.com/office/drawing/2014/main" id="{54DD02AC-2805-8F8A-AC8A-623D77C6369D}"/>
-              </a:ext>
-            </a:extLst>
-          </p:cNvPr>
-          <p:cNvSpPr>
-            <a:spLocks noGrp="1"/>
-          </p:cNvSpPr>
-          <p:nvPr>
-            <p:ph idx="1"/>
-          </p:nvPr>
-        </p:nvSpPr>
-        <p:spPr/>
-        <p:txBody>
-          <a:bodyPr/>
-          <a:lstStyle/>
-          <a:p>
-            <a:r>
-              <a:rPr lang="en-US" dirty="0"/>
-              <a:t>Type 1 error</a:t>
-            </a:r>
-          </a:p>
-          <a:p>
-            <a:pPr lvl="1"/>
-            <a:r>
-              <a:rPr lang="en-US" dirty="0"/>
-              <a:t>False positive, incorrectly claiming the IV affects the DV</a:t>
-            </a:r>
-          </a:p>
-          <a:p>
-            <a:pPr lvl="1"/>
-            <a:r>
-              <a:rPr lang="en-US" dirty="0"/>
-              <a:t>Operational definition problem: IV does not reflect the construct</a:t>
-            </a:r>
-          </a:p>
-          <a:p>
-            <a:pPr lvl="1"/>
-            <a:r>
-              <a:rPr lang="en-US" dirty="0"/>
-              <a:t>Alternate explanation: another variable explains the data</a:t>
-            </a:r>
-          </a:p>
-          <a:p>
-            <a:pPr lvl="1"/>
-            <a:endParaRPr lang="en-US" dirty="0"/>
-          </a:p>
-          <a:p>
-            <a:r>
-              <a:rPr lang="en-US" dirty="0"/>
-              <a:t>Type 2 error</a:t>
-            </a:r>
-          </a:p>
-          <a:p>
-            <a:pPr lvl="1"/>
-            <a:r>
-              <a:rPr lang="en-US" dirty="0"/>
-              <a:t>False negative, incorrectly thinking the IV did not affect the DV</a:t>
-            </a:r>
-          </a:p>
-          <a:p>
-            <a:pPr lvl="1"/>
-            <a:r>
-              <a:rPr lang="en-US" dirty="0"/>
-              <a:t>Experimental control problem: too much noise/variance</a:t>
-            </a:r>
-          </a:p>
-          <a:p>
-            <a:pPr lvl="1"/>
-            <a:r>
-              <a:rPr lang="en-US" dirty="0"/>
-              <a:t>Power problem: insufficient data (participants)</a:t>
-            </a:r>
-          </a:p>
-          <a:p>
-            <a:endParaRPr lang="en-US" dirty="0"/>
-          </a:p>
-        </p:txBody>
-      </p:sp>
-    </p:spTree>
-    <p:extLst>
-      <p:ext uri="{BB962C8B-B14F-4D97-AF65-F5344CB8AC3E}">
-        <p14:creationId xmlns:p14="http://schemas.microsoft.com/office/powerpoint/2010/main" val="800122614"/>
-      </p:ext>
-    </p:extLst>
-  </p:cSld>
-  <p:clrMapOvr>
-    <a:masterClrMapping/>
-  </p:clrMapOvr>
-</p:sld>
-</file>
-
-<file path=ppt/slides/slide5.xml><?xml version="1.0" encoding="utf-8"?>
-<p:sld xmlns:a="http://schemas.openxmlformats.org/drawingml/2006/main" xmlns:r="http://schemas.openxmlformats.org/officeDocument/2006/relationships" xmlns:p="http://schemas.openxmlformats.org/presentationml/2006/main">
-  <p:cSld>
-    <p:spTree>
-      <p:nvGrpSpPr>
-        <p:cNvPr id="1" name=""/>
-        <p:cNvGrpSpPr/>
-        <p:nvPr/>
-      </p:nvGrpSpPr>
-      <p:grpSpPr>
-        <a:xfrm>
-          <a:off x="0" y="0"/>
-          <a:ext cx="0" cy="0"/>
-          <a:chOff x="0" y="0"/>
-          <a:chExt cx="0" cy="0"/>
-        </a:xfrm>
-      </p:grpSpPr>
-      <p:sp>
-        <p:nvSpPr>
-          <p:cNvPr id="2" name="Title 1">
-            <a:extLst>
-              <a:ext uri="{FF2B5EF4-FFF2-40B4-BE49-F238E27FC236}">
-                <a16:creationId xmlns:a16="http://schemas.microsoft.com/office/drawing/2014/main" id="{8C08F68A-AC5C-8C82-B26F-9CBB16B08726}"/>
-              </a:ext>
-            </a:extLst>
-          </p:cNvPr>
-          <p:cNvSpPr>
-            <a:spLocks noGrp="1"/>
-          </p:cNvSpPr>
-          <p:nvPr>
-            <p:ph type="title"/>
-          </p:nvPr>
-        </p:nvSpPr>
-        <p:spPr/>
-        <p:txBody>
-          <a:bodyPr/>
-          <a:lstStyle/>
-          <a:p>
-            <a:r>
-              <a:rPr lang="en-US" dirty="0"/>
-              <a:t>Experimental Design Overview</a:t>
-            </a:r>
-          </a:p>
-        </p:txBody>
-      </p:sp>
-      <p:sp>
-        <p:nvSpPr>
-          <p:cNvPr id="3" name="Content Placeholder 2">
-            <a:extLst>
-              <a:ext uri="{FF2B5EF4-FFF2-40B4-BE49-F238E27FC236}">
-                <a16:creationId xmlns:a16="http://schemas.microsoft.com/office/drawing/2014/main" id="{1636F4B6-6872-40B6-FBB8-A8CD1397DA4F}"/>
-              </a:ext>
-            </a:extLst>
-          </p:cNvPr>
-          <p:cNvSpPr>
-            <a:spLocks noGrp="1"/>
-          </p:cNvSpPr>
-          <p:nvPr>
-            <p:ph idx="1"/>
-          </p:nvPr>
-        </p:nvSpPr>
-        <p:spPr/>
-        <p:txBody>
-          <a:bodyPr/>
-          <a:lstStyle/>
-          <a:p>
-            <a:r>
-              <a:rPr lang="en-US" dirty="0"/>
-              <a:t>Construct</a:t>
-            </a:r>
-          </a:p>
-          <a:p>
-            <a:r>
-              <a:rPr lang="en-US" dirty="0"/>
-              <a:t>Operational definitions: IV, DV</a:t>
-            </a:r>
-          </a:p>
-          <a:p>
-            <a:pPr lvl="1"/>
-            <a:r>
-              <a:rPr lang="en-US" dirty="0"/>
-              <a:t>Implementing a procedure</a:t>
-            </a:r>
-          </a:p>
-          <a:p>
-            <a:r>
-              <a:rPr lang="en-US" dirty="0"/>
-              <a:t>Data</a:t>
-            </a:r>
-          </a:p>
-          <a:p>
-            <a:r>
-              <a:rPr lang="en-US" dirty="0"/>
-              <a:t>Analysis</a:t>
-            </a:r>
-          </a:p>
-          <a:p>
-            <a:pPr lvl="1"/>
-            <a:r>
-              <a:rPr lang="en-US" dirty="0"/>
-              <a:t>Statement about how/if IV affected DV</a:t>
-            </a:r>
-          </a:p>
-          <a:p>
-            <a:r>
-              <a:rPr lang="en-US" dirty="0"/>
-              <a:t>Inference about results</a:t>
-            </a:r>
-          </a:p>
-          <a:p>
-            <a:pPr lvl="1"/>
-            <a:r>
-              <a:rPr lang="en-US" dirty="0"/>
-              <a:t>Statement about relationship among constructs</a:t>
-            </a:r>
-          </a:p>
-        </p:txBody>
-      </p:sp>
-    </p:spTree>
-    <p:extLst>
-      <p:ext uri="{BB962C8B-B14F-4D97-AF65-F5344CB8AC3E}">
-        <p14:creationId xmlns:p14="http://schemas.microsoft.com/office/powerpoint/2010/main" val="3229781318"/>
-      </p:ext>
-    </p:extLst>
-  </p:cSld>
-  <p:clrMapOvr>
-    <a:masterClrMapping/>
-  </p:clrMapOvr>
-</p:sld>
-</file>
-
 <file path=ppt/slides/slide6.xml><?xml version="1.0" encoding="utf-8"?>
 <p:sld xmlns:a="http://schemas.openxmlformats.org/drawingml/2006/main" xmlns:r="http://schemas.openxmlformats.org/officeDocument/2006/relationships" xmlns:p="http://schemas.openxmlformats.org/presentationml/2006/main">
   <p:cSld>
@@ -6713,10 +7255,10 @@
       </p:grpSpPr>
       <p:sp>
         <p:nvSpPr>
-          <p:cNvPr id="2" name="Title 1">
+          <p:cNvPr id="5" name="Title 4">
             <a:extLst>
               <a:ext uri="{FF2B5EF4-FFF2-40B4-BE49-F238E27FC236}">
-                <a16:creationId xmlns:a16="http://schemas.microsoft.com/office/drawing/2014/main" id="{2B729338-4AAD-2586-B8C1-A78F55F11C54}"/>
+                <a16:creationId xmlns:a16="http://schemas.microsoft.com/office/drawing/2014/main" id="{45932C1B-AF86-6649-7F9B-9C8BAC3A2230}"/>
               </a:ext>
             </a:extLst>
           </p:cNvPr>
@@ -6734,17 +7276,17 @@
           <a:p>
             <a:r>
               <a:rPr lang="en-US" dirty="0"/>
-              <a:t>Craik &amp; Lockhart (1972): Depth of processing</a:t>
-            </a:r>
-          </a:p>
-        </p:txBody>
-      </p:sp>
-      <p:sp>
-        <p:nvSpPr>
-          <p:cNvPr id="3" name="Content Placeholder 2">
+              <a:t>Inferences from experimentation</a:t>
+            </a:r>
+          </a:p>
+        </p:txBody>
+      </p:sp>
+      <p:sp>
+        <p:nvSpPr>
+          <p:cNvPr id="6" name="Content Placeholder 5">
             <a:extLst>
               <a:ext uri="{FF2B5EF4-FFF2-40B4-BE49-F238E27FC236}">
-                <a16:creationId xmlns:a16="http://schemas.microsoft.com/office/drawing/2014/main" id="{8EEA1CBE-6AD3-153A-910D-BA1D82A64BA6}"/>
+                <a16:creationId xmlns:a16="http://schemas.microsoft.com/office/drawing/2014/main" id="{204844EC-ED04-BF62-9C5B-8ADFD76C5894}"/>
               </a:ext>
             </a:extLst>
           </p:cNvPr>
@@ -6757,83 +7299,78 @@
         </p:nvSpPr>
         <p:spPr/>
         <p:txBody>
-          <a:bodyPr>
-            <a:normAutofit lnSpcReduction="10000"/>
-          </a:bodyPr>
-          <a:lstStyle/>
-          <a:p>
-            <a:r>
-              <a:rPr lang="en-US" dirty="0"/>
-              <a:t>Memory background</a:t>
+          <a:bodyPr/>
+          <a:lstStyle/>
+          <a:p>
+            <a:r>
+              <a:rPr lang="en-US" dirty="0"/>
+              <a:t>Reliability</a:t>
             </a:r>
           </a:p>
           <a:p>
             <a:pPr lvl="1"/>
             <a:r>
               <a:rPr lang="en-US" dirty="0"/>
-              <a:t>Somewhat archaic terms (STS, LTS)</a:t>
+              <a:t>Statistics: the IV affected the DV, e.g., p&lt;.05</a:t>
             </a:r>
           </a:p>
           <a:p>
             <a:pPr lvl="1"/>
             <a:r>
               <a:rPr lang="en-US" dirty="0"/>
-              <a:t>Modern framework has similar structure (Multistore)</a:t>
+              <a:t>Technically the probability is the “chance of obtaining these data under the null hypothesis”</a:t>
             </a:r>
           </a:p>
           <a:p>
             <a:pPr lvl="2"/>
             <a:r>
               <a:rPr lang="en-US" dirty="0"/>
-              <a:t>Working memory (from perception): capacity-limited, rapidly fading</a:t>
-            </a:r>
-          </a:p>
-          <a:p>
-            <a:pPr lvl="2"/>
-            <a:r>
-              <a:rPr lang="en-US" dirty="0"/>
-              <a:t>Long-term memory: large capacity, highly persistent</a:t>
+              <a:t>Null = IV does not affect the DV</a:t>
             </a:r>
           </a:p>
           <a:p>
             <a:pPr lvl="1"/>
             <a:r>
               <a:rPr lang="en-US" dirty="0"/>
-              <a:t>LTM is all stored knowledge</a:t>
-            </a:r>
-          </a:p>
-          <a:p>
-            <a:pPr lvl="2"/>
-            <a:r>
-              <a:rPr lang="en-US" dirty="0"/>
-              <a:t>Knowledge of general facts = Semantic</a:t>
-            </a:r>
-          </a:p>
-          <a:p>
-            <a:pPr lvl="2"/>
-            <a:r>
-              <a:rPr lang="en-US" dirty="0"/>
-              <a:t>Knowledge of personal experiences = Episodic</a:t>
-            </a:r>
-          </a:p>
-          <a:p>
-            <a:r>
-              <a:rPr lang="en-US" dirty="0"/>
-              <a:t>Semantic memory includes knowing what a word means </a:t>
-            </a:r>
-          </a:p>
-          <a:p>
-            <a:r>
-              <a:rPr lang="en-US" dirty="0"/>
-              <a:t>Episodic memory refers to the event of encountering that word during the study phase</a:t>
-            </a:r>
+              <a:t>Reliability really should mean the probability that the experiment is reproducible</a:t>
+            </a:r>
+          </a:p>
+          <a:p>
+            <a:r>
+              <a:rPr lang="en-US" dirty="0"/>
+              <a:t>Validity</a:t>
+            </a:r>
+          </a:p>
+          <a:p>
+            <a:pPr lvl="1"/>
+            <a:r>
+              <a:rPr lang="en-US" dirty="0"/>
+              <a:t>The experiment means what we say it means</a:t>
+            </a:r>
+          </a:p>
+          <a:p>
+            <a:pPr lvl="1"/>
+            <a:r>
+              <a:rPr lang="en-US" dirty="0"/>
+              <a:t>Operational definition problems (measurement)</a:t>
+            </a:r>
+          </a:p>
+          <a:p>
+            <a:pPr lvl="1"/>
+            <a:r>
+              <a:rPr lang="en-US" dirty="0"/>
+              <a:t>Confounds and alternate explanations</a:t>
+            </a:r>
+          </a:p>
+          <a:p>
+            <a:endParaRPr lang="en-US" dirty="0"/>
           </a:p>
         </p:txBody>
       </p:sp>
     </p:spTree>
     <p:extLst>
       <p:ext uri="{BB962C8B-B14F-4D97-AF65-F5344CB8AC3E}">
-        <p14:creationId xmlns:p14="http://schemas.microsoft.com/office/powerpoint/2010/main" val="1667505496"/>
+        <p14:creationId xmlns:p14="http://schemas.microsoft.com/office/powerpoint/2010/main" val="295721713"/>
       </p:ext>
     </p:extLst>
   </p:cSld>
@@ -6865,7 +7402,7 @@
           <p:cNvPr id="2" name="Title 1">
             <a:extLst>
               <a:ext uri="{FF2B5EF4-FFF2-40B4-BE49-F238E27FC236}">
-                <a16:creationId xmlns:a16="http://schemas.microsoft.com/office/drawing/2014/main" id="{AC6ED9B8-570D-6B5E-75CF-0462B341F1DE}"/>
+                <a16:creationId xmlns:a16="http://schemas.microsoft.com/office/drawing/2014/main" id="{FCD80367-9B98-E229-6962-0F38CEB6031E}"/>
               </a:ext>
             </a:extLst>
           </p:cNvPr>
@@ -6883,7 +7420,7 @@
           <a:p>
             <a:r>
               <a:rPr lang="en-US" dirty="0"/>
-              <a:t>CL1972 HW Questions</a:t>
+              <a:t>Experimental Error</a:t>
             </a:r>
           </a:p>
         </p:txBody>
@@ -6893,7 +7430,7 @@
           <p:cNvPr id="3" name="Content Placeholder 2">
             <a:extLst>
               <a:ext uri="{FF2B5EF4-FFF2-40B4-BE49-F238E27FC236}">
-                <a16:creationId xmlns:a16="http://schemas.microsoft.com/office/drawing/2014/main" id="{46434B38-329E-EB87-7E86-C2451FC095B0}"/>
+                <a16:creationId xmlns:a16="http://schemas.microsoft.com/office/drawing/2014/main" id="{54DD02AC-2805-8F8A-AC8A-623D77C6369D}"/>
               </a:ext>
             </a:extLst>
           </p:cNvPr>
@@ -6906,32 +7443,64 @@
         </p:nvSpPr>
         <p:spPr/>
         <p:txBody>
-          <a:bodyPr>
-            <a:normAutofit/>
-          </a:bodyPr>
-          <a:lstStyle/>
-          <a:p>
-            <a:r>
-              <a:rPr lang="en-US" dirty="0"/>
-              <a:t>1. What is 'depth of processing' and why might it lead to better memory?</a:t>
-            </a:r>
-          </a:p>
-          <a:p>
+          <a:bodyPr/>
+          <a:lstStyle/>
+          <a:p>
+            <a:r>
+              <a:rPr lang="en-US" dirty="0"/>
+              <a:t>Type 1 error</a:t>
+            </a:r>
+          </a:p>
+          <a:p>
+            <a:pPr lvl="1"/>
+            <a:r>
+              <a:rPr lang="en-US" dirty="0"/>
+              <a:t>False positive, incorrectly claiming the IV affects the DV</a:t>
+            </a:r>
+          </a:p>
+          <a:p>
+            <a:pPr lvl="1"/>
+            <a:r>
+              <a:rPr lang="en-US" dirty="0"/>
+              <a:t>Operational definition problem: IV does not reflect the construct</a:t>
+            </a:r>
+          </a:p>
+          <a:p>
+            <a:pPr lvl="1"/>
+            <a:r>
+              <a:rPr lang="en-US" dirty="0"/>
+              <a:t>Alternate explanation: another variable explains the data</a:t>
+            </a:r>
+          </a:p>
+          <a:p>
+            <a:pPr lvl="1"/>
             <a:endParaRPr lang="en-US" dirty="0"/>
           </a:p>
           <a:p>
             <a:r>
               <a:rPr lang="en-US" dirty="0"/>
-              <a:t>2. In our study, what was the operational definition of 'deep encoding'?</a:t>
-            </a:r>
-          </a:p>
-          <a:p>
-            <a:endParaRPr lang="en-US" dirty="0"/>
-          </a:p>
-          <a:p>
-            <a:r>
-              <a:rPr lang="en-US" dirty="0"/>
-              <a:t>3  In our study, what was the operational definition of 'shallow encoding'?</a:t>
+              <a:t>Type 2 error</a:t>
+            </a:r>
+          </a:p>
+          <a:p>
+            <a:pPr lvl="1"/>
+            <a:r>
+              <a:rPr lang="en-US" dirty="0"/>
+              <a:t>False negative, incorrectly thinking the IV did not affect the DV</a:t>
+            </a:r>
+          </a:p>
+          <a:p>
+            <a:pPr lvl="1"/>
+            <a:r>
+              <a:rPr lang="en-US" dirty="0"/>
+              <a:t>Experimental control problem: too much noise/variance</a:t>
+            </a:r>
+          </a:p>
+          <a:p>
+            <a:pPr lvl="1"/>
+            <a:r>
+              <a:rPr lang="en-US" dirty="0"/>
+              <a:t>Power problem: insufficient data (participants)</a:t>
             </a:r>
           </a:p>
           <a:p>
@@ -6942,7 +7511,7 @@
     </p:spTree>
     <p:extLst>
       <p:ext uri="{BB962C8B-B14F-4D97-AF65-F5344CB8AC3E}">
-        <p14:creationId xmlns:p14="http://schemas.microsoft.com/office/powerpoint/2010/main" val="3035606701"/>
+        <p14:creationId xmlns:p14="http://schemas.microsoft.com/office/powerpoint/2010/main" val="800122614"/>
       </p:ext>
     </p:extLst>
   </p:cSld>
@@ -6974,7 +7543,7 @@
           <p:cNvPr id="2" name="Title 1">
             <a:extLst>
               <a:ext uri="{FF2B5EF4-FFF2-40B4-BE49-F238E27FC236}">
-                <a16:creationId xmlns:a16="http://schemas.microsoft.com/office/drawing/2014/main" id="{F90B7523-D22D-AF49-F20A-CB470593F3B6}"/>
+                <a16:creationId xmlns:a16="http://schemas.microsoft.com/office/drawing/2014/main" id="{8C08F68A-AC5C-8C82-B26F-9CBB16B08726}"/>
               </a:ext>
             </a:extLst>
           </p:cNvPr>
@@ -6992,7 +7561,7 @@
           <a:p>
             <a:r>
               <a:rPr lang="en-US" dirty="0"/>
-              <a:t>CL1972 HW Questions</a:t>
+              <a:t>Experimental Design Overview</a:t>
             </a:r>
           </a:p>
         </p:txBody>
@@ -7002,7 +7571,7 @@
           <p:cNvPr id="3" name="Content Placeholder 2">
             <a:extLst>
               <a:ext uri="{FF2B5EF4-FFF2-40B4-BE49-F238E27FC236}">
-                <a16:creationId xmlns:a16="http://schemas.microsoft.com/office/drawing/2014/main" id="{ED77EA49-11E6-F0A1-B93D-311236448752}"/>
+                <a16:creationId xmlns:a16="http://schemas.microsoft.com/office/drawing/2014/main" id="{1636F4B6-6872-40B6-FBB8-A8CD1397DA4F}"/>
               </a:ext>
             </a:extLst>
           </p:cNvPr>
@@ -7020,27 +7589,60 @@
           <a:p>
             <a:r>
               <a:rPr lang="en-US" dirty="0"/>
-              <a:t>4. From the prior work cited (e.g., p 677), give another example of how researchers have implemented a different procedure to create shallow encoding.</a:t>
-            </a:r>
-          </a:p>
-          <a:p>
-            <a:endParaRPr lang="en-US" dirty="0"/>
-          </a:p>
-          <a:p>
-            <a:r>
-              <a:rPr lang="en-US" dirty="0"/>
-              <a:t>5. Give another example of deep encoding from the briefly reviewed prior work.</a:t>
-            </a:r>
-          </a:p>
-          <a:p>
-            <a:endParaRPr lang="en-US" dirty="0"/>
+              <a:t>Construct</a:t>
+            </a:r>
+          </a:p>
+          <a:p>
+            <a:r>
+              <a:rPr lang="en-US" dirty="0"/>
+              <a:t>Operational definitions: IV, DV</a:t>
+            </a:r>
+          </a:p>
+          <a:p>
+            <a:pPr lvl="1"/>
+            <a:r>
+              <a:rPr lang="en-US" dirty="0"/>
+              <a:t>Implementing a procedure</a:t>
+            </a:r>
+          </a:p>
+          <a:p>
+            <a:r>
+              <a:rPr lang="en-US" dirty="0"/>
+              <a:t>Data</a:t>
+            </a:r>
+          </a:p>
+          <a:p>
+            <a:r>
+              <a:rPr lang="en-US" dirty="0"/>
+              <a:t>Analysis</a:t>
+            </a:r>
+          </a:p>
+          <a:p>
+            <a:pPr lvl="1"/>
+            <a:r>
+              <a:rPr lang="en-US" dirty="0"/>
+              <a:t>Statement about how/if IV affected DV</a:t>
+            </a:r>
+          </a:p>
+          <a:p>
+            <a:r>
+              <a:rPr lang="en-US" dirty="0"/>
+              <a:t>Inference about results</a:t>
+            </a:r>
+          </a:p>
+          <a:p>
+            <a:pPr lvl="1"/>
+            <a:r>
+              <a:rPr lang="en-US" dirty="0"/>
+              <a:t>Statement about relationship among constructs</a:t>
+            </a:r>
           </a:p>
         </p:txBody>
       </p:sp>
     </p:spTree>
     <p:extLst>
       <p:ext uri="{BB962C8B-B14F-4D97-AF65-F5344CB8AC3E}">
-        <p14:creationId xmlns:p14="http://schemas.microsoft.com/office/powerpoint/2010/main" val="2377111929"/>
+        <p14:creationId xmlns:p14="http://schemas.microsoft.com/office/powerpoint/2010/main" val="3229781318"/>
       </p:ext>
     </p:extLst>
   </p:cSld>
@@ -7072,7 +7674,7 @@
           <p:cNvPr id="2" name="Title 1">
             <a:extLst>
               <a:ext uri="{FF2B5EF4-FFF2-40B4-BE49-F238E27FC236}">
-                <a16:creationId xmlns:a16="http://schemas.microsoft.com/office/drawing/2014/main" id="{5FC20EF1-5864-CD56-0FC6-B87C63FDC7F3}"/>
+                <a16:creationId xmlns:a16="http://schemas.microsoft.com/office/drawing/2014/main" id="{2B729338-4AAD-2586-B8C1-A78F55F11C54}"/>
               </a:ext>
             </a:extLst>
           </p:cNvPr>
@@ -7090,7 +7692,7 @@
           <a:p>
             <a:r>
               <a:rPr lang="en-US" dirty="0"/>
-              <a:t>Experimental control</a:t>
+              <a:t>Craik &amp; Lockhart (1972): Depth of processing</a:t>
             </a:r>
           </a:p>
         </p:txBody>
@@ -7100,7 +7702,7 @@
           <p:cNvPr id="3" name="Content Placeholder 2">
             <a:extLst>
               <a:ext uri="{FF2B5EF4-FFF2-40B4-BE49-F238E27FC236}">
-                <a16:creationId xmlns:a16="http://schemas.microsoft.com/office/drawing/2014/main" id="{E32D1B81-2D19-4DEA-4441-BC4255BBE320}"/>
+                <a16:creationId xmlns:a16="http://schemas.microsoft.com/office/drawing/2014/main" id="{8EEA1CBE-6AD3-153A-910D-BA1D82A64BA6}"/>
               </a:ext>
             </a:extLst>
           </p:cNvPr>
@@ -7113,57 +7715,75 @@
         </p:nvSpPr>
         <p:spPr/>
         <p:txBody>
-          <a:bodyPr/>
-          <a:lstStyle/>
-          <a:p>
-            <a:r>
-              <a:rPr lang="en-US" dirty="0"/>
-              <a:t>What if the process of carrying out the deep encoding instructions takes longer than shallow encoding?</a:t>
+          <a:bodyPr>
+            <a:normAutofit lnSpcReduction="10000"/>
+          </a:bodyPr>
+          <a:lstStyle/>
+          <a:p>
+            <a:r>
+              <a:rPr lang="en-US" dirty="0"/>
+              <a:t>Memory background</a:t>
             </a:r>
           </a:p>
           <a:p>
             <a:pPr lvl="1"/>
             <a:r>
               <a:rPr lang="en-US" dirty="0"/>
-              <a:t>Suppose it takes ~2 seconds to rate liking but &lt;1s to count vowels</a:t>
-            </a:r>
-          </a:p>
-          <a:p>
-            <a:endParaRPr lang="en-US" dirty="0"/>
-          </a:p>
-          <a:p>
-            <a:r>
-              <a:rPr lang="en-US" dirty="0"/>
-              <a:t>What is an </a:t>
-            </a:r>
-            <a:r>
-              <a:rPr lang="en-US" u="sng" dirty="0"/>
-              <a:t>alternate explanation</a:t>
-            </a:r>
-            <a:r>
-              <a:rPr lang="en-US" dirty="0"/>
-              <a:t> for the finding that “deep encoding leads to better memory than shallow encoding”?</a:t>
+              <a:t>Somewhat archaic terms (STS, LTS)</a:t>
             </a:r>
           </a:p>
           <a:p>
             <a:pPr lvl="1"/>
             <a:r>
               <a:rPr lang="en-US" dirty="0"/>
-              <a:t>An alternate explanation does not change the data</a:t>
+              <a:t>Modern framework has similar structure (Multistore)</a:t>
             </a:r>
           </a:p>
           <a:p>
             <a:pPr lvl="2"/>
             <a:r>
               <a:rPr lang="en-US" dirty="0"/>
-              <a:t>Liking group still out-scores the vowel counting group</a:t>
+              <a:t>Working memory (from perception): capacity-limited, rapidly fading</a:t>
+            </a:r>
+          </a:p>
+          <a:p>
+            <a:pPr lvl="2"/>
+            <a:r>
+              <a:rPr lang="en-US" dirty="0"/>
+              <a:t>Long-term memory: large capacity, highly persistent</a:t>
             </a:r>
           </a:p>
           <a:p>
             <a:pPr lvl="1"/>
             <a:r>
               <a:rPr lang="en-US" dirty="0"/>
-              <a:t>Provides a characterization of the data that is inconsistent with the theoretical aspect of the conclusion.</a:t>
+              <a:t>LTM is all stored knowledge</a:t>
+            </a:r>
+          </a:p>
+          <a:p>
+            <a:pPr lvl="2"/>
+            <a:r>
+              <a:rPr lang="en-US" dirty="0"/>
+              <a:t>Knowledge of general facts = Semantic</a:t>
+            </a:r>
+          </a:p>
+          <a:p>
+            <a:pPr lvl="2"/>
+            <a:r>
+              <a:rPr lang="en-US" dirty="0"/>
+              <a:t>Knowledge of personal experiences = Episodic</a:t>
+            </a:r>
+          </a:p>
+          <a:p>
+            <a:r>
+              <a:rPr lang="en-US" dirty="0"/>
+              <a:t>Semantic memory includes knowing what a word means </a:t>
+            </a:r>
+          </a:p>
+          <a:p>
+            <a:r>
+              <a:rPr lang="en-US" dirty="0"/>
+              <a:t>Episodic memory refers to the event of encountering that word during the study phase</a:t>
             </a:r>
           </a:p>
         </p:txBody>
@@ -7171,7 +7791,7 @@
     </p:spTree>
     <p:extLst>
       <p:ext uri="{BB962C8B-B14F-4D97-AF65-F5344CB8AC3E}">
-        <p14:creationId xmlns:p14="http://schemas.microsoft.com/office/powerpoint/2010/main" val="2859934004"/>
+        <p14:creationId xmlns:p14="http://schemas.microsoft.com/office/powerpoint/2010/main" val="1667505496"/>
       </p:ext>
     </p:extLst>
   </p:cSld>
